--- a/CommonKnowledge.pptx
+++ b/CommonKnowledge.pptx
@@ -43,6 +43,7 @@
     <p:sldId id="280" r:id="rId38"/>
     <p:sldId id="281" r:id="rId39"/>
     <p:sldId id="282" r:id="rId40"/>
+    <p:sldId id="283" r:id="rId41"/>
   </p:sldIdLst>
   <p:sldSz cx="10080625" cy="7559675"/>
   <p:notesSz cx="7772400" cy="10058400"/>
@@ -21350,29 +21351,6 @@
               <a:latin typeface="Arial" panose="020B0604020202020204"/>
             </a:endParaRPr>
           </a:p>
-          <a:p>
-            <a:pPr marL="431800" indent="-323850">
-              <a:lnSpc>
-                <a:spcPct val="100000"/>
-              </a:lnSpc>
-              <a:spcAft>
-                <a:spcPts val="1415"/>
-              </a:spcAft>
-            </a:pPr>
-            <a:r>
-              <a:rPr lang="en-US" sz="1600" b="0" strike="noStrike" spc="-1">
-                <a:solidFill>
-                  <a:srgbClr val="000000"/>
-                </a:solidFill>
-                <a:latin typeface="Arial" panose="020B0604020202020204"/>
-                <a:ea typeface="Microsoft YaHei" panose="020B0503020204020204" charset="-122"/>
-              </a:rPr>
-              <a:t>10. How to get values in Map&lt;K,V&gt;?</a:t>
-            </a:r>
-            <a:endParaRPr lang="en-US" sz="1600" b="0" strike="noStrike" spc="-1">
-              <a:latin typeface="Arial" panose="020B0604020202020204"/>
-            </a:endParaRPr>
-          </a:p>
         </p:txBody>
       </p:sp>
     </p:spTree>
@@ -26372,6 +26350,203 @@
       <p:transition spd="slow"/>
     </mc:Fallback>
   </mc:AlternateContent>
+</p:sld>
+</file>
+
+<file path=ppt/slides/slide28.xml><?xml version="1.0" encoding="utf-8"?>
+<p:sld xmlns:a="http://schemas.openxmlformats.org/drawingml/2006/main" xmlns:r="http://schemas.openxmlformats.org/officeDocument/2006/relationships" xmlns:p="http://schemas.openxmlformats.org/presentationml/2006/main">
+  <p:cSld>
+    <p:spTree>
+      <p:nvGrpSpPr>
+        <p:cNvPr id="1" name=""/>
+        <p:cNvGrpSpPr/>
+        <p:nvPr/>
+      </p:nvGrpSpPr>
+      <p:grpSpPr/>
+      <p:sp>
+        <p:nvSpPr>
+          <p:cNvPr id="2" name="Title 1"/>
+          <p:cNvSpPr>
+            <a:spLocks noGrp="1"/>
+          </p:cNvSpPr>
+          <p:nvPr>
+            <p:ph type="title"/>
+          </p:nvPr>
+        </p:nvSpPr>
+        <p:spPr/>
+        <p:txBody>
+          <a:bodyPr/>
+          <a:p>
+            <a:endParaRPr lang="en-US"/>
+          </a:p>
+        </p:txBody>
+      </p:sp>
+      <p:sp>
+        <p:nvSpPr>
+          <p:cNvPr id="3" name="Subtitle 2"/>
+          <p:cNvSpPr>
+            <a:spLocks noGrp="1"/>
+          </p:cNvSpPr>
+          <p:nvPr>
+            <p:ph type="subTitle"/>
+          </p:nvPr>
+        </p:nvSpPr>
+        <p:spPr>
+          <a:xfrm>
+            <a:off x="504000" y="1768680"/>
+            <a:ext cx="9072000" cy="3185160"/>
+          </a:xfrm>
+        </p:spPr>
+        <p:txBody>
+          <a:bodyPr/>
+          <a:p>
+            <a:r>
+              <a:rPr lang="en-US" sz="900"/>
+              <a:t>postgres:</a:t>
+            </a:r>
+            <a:endParaRPr lang="en-US" sz="900"/>
+          </a:p>
+          <a:p>
+            <a:r>
+              <a:rPr lang="en-US" sz="900"/>
+              <a:t>username: postgres</a:t>
+            </a:r>
+            <a:endParaRPr lang="en-US" sz="900"/>
+          </a:p>
+          <a:p>
+            <a:r>
+              <a:rPr lang="en-US" sz="900"/>
+              <a:t>pass: 12345!fra</a:t>
+            </a:r>
+            <a:endParaRPr lang="en-US" sz="900"/>
+          </a:p>
+          <a:p>
+            <a:endParaRPr lang="en-US" sz="900"/>
+          </a:p>
+          <a:p>
+            <a:r>
+              <a:rPr lang="en-US" sz="900"/>
+              <a:t>username: is_role</a:t>
+            </a:r>
+            <a:endParaRPr lang="en-US" sz="900"/>
+          </a:p>
+          <a:p>
+            <a:r>
+              <a:rPr lang="en-US" sz="900"/>
+              <a:t>pass: is_role</a:t>
+            </a:r>
+            <a:endParaRPr lang="en-US" sz="900"/>
+          </a:p>
+          <a:p>
+            <a:r>
+              <a:rPr lang="en-US" sz="900"/>
+              <a:t>===</a:t>
+            </a:r>
+            <a:endParaRPr lang="en-US" sz="900"/>
+          </a:p>
+          <a:p>
+            <a:endParaRPr lang="en-US" sz="900"/>
+          </a:p>
+          <a:p>
+            <a:r>
+              <a:rPr lang="en-US" sz="900"/>
+              <a:t>pass group chat: sps@123</a:t>
+            </a:r>
+            <a:endParaRPr lang="en-US" sz="900"/>
+          </a:p>
+          <a:p>
+            <a:r>
+              <a:rPr lang="en-US" sz="900"/>
+              <a:t>pass login PC: 13579@Spsvn#</a:t>
+            </a:r>
+            <a:endParaRPr lang="en-US" sz="900"/>
+          </a:p>
+          <a:p>
+            <a:endParaRPr lang="en-US" sz="900"/>
+          </a:p>
+          <a:p>
+            <a:r>
+              <a:rPr lang="en-US" sz="900"/>
+              <a:t>===</a:t>
+            </a:r>
+            <a:endParaRPr lang="en-US" sz="900"/>
+          </a:p>
+          <a:p>
+            <a:r>
+              <a:rPr lang="en-US" sz="900"/>
+              <a:t>jira, confluence</a:t>
+            </a:r>
+            <a:endParaRPr lang="en-US" sz="900"/>
+          </a:p>
+          <a:p>
+            <a:r>
+              <a:rPr lang="en-US" sz="900"/>
+              <a:t>ID: pvtruong</a:t>
+            </a:r>
+            <a:endParaRPr lang="en-US" sz="900"/>
+          </a:p>
+          <a:p>
+            <a:r>
+              <a:rPr lang="en-US" sz="900"/>
+              <a:t>Password: Welcome2019!</a:t>
+            </a:r>
+            <a:endParaRPr lang="en-US" sz="900"/>
+          </a:p>
+          <a:p>
+            <a:r>
+              <a:rPr lang="en-US" sz="900"/>
+              <a:t>===</a:t>
+            </a:r>
+            <a:endParaRPr lang="en-US" sz="900"/>
+          </a:p>
+          <a:p>
+            <a:r>
+              <a:rPr lang="en-US" sz="900"/>
+              <a:t>wso2</a:t>
+            </a:r>
+            <a:endParaRPr lang="en-US" sz="900"/>
+          </a:p>
+          <a:p>
+            <a:r>
+              <a:rPr lang="en-US" sz="900"/>
+              <a:t>https://is.spsdev.com:9443/carbon/</a:t>
+            </a:r>
+            <a:endParaRPr lang="en-US" sz="900"/>
+          </a:p>
+          <a:p>
+            <a:r>
+              <a:rPr lang="en-US" sz="900"/>
+              <a:t>apimanager</a:t>
+            </a:r>
+            <a:endParaRPr lang="en-US" sz="900"/>
+          </a:p>
+          <a:p>
+            <a:r>
+              <a:rPr lang="en-US" sz="900"/>
+              <a:t>sps@123</a:t>
+            </a:r>
+            <a:endParaRPr lang="en-US" sz="900"/>
+          </a:p>
+          <a:p>
+            <a:endParaRPr lang="en-US" sz="900"/>
+          </a:p>
+          <a:p>
+            <a:endParaRPr lang="en-US" sz="900"/>
+          </a:p>
+          <a:p>
+            <a:r>
+              <a:rPr lang="en-US" sz="900"/>
+              <a:t>regexp=(http|https)(:\/\/).*(localhost)+\:[0-9]{4}\/.*</a:t>
+            </a:r>
+            <a:endParaRPr lang="en-US" sz="900"/>
+          </a:p>
+        </p:txBody>
+      </p:sp>
+    </p:spTree>
+  </p:cSld>
+  <p:clrMapOvr>
+    <a:masterClrMapping/>
+  </p:clrMapOvr>
 </p:sld>
 </file>
 
